--- a/Lectures/WEEK14-Perception/session2_perception.pptx
+++ b/Lectures/WEEK14-Perception/session2_perception.pptx
@@ -202,7 +202,7 @@
           <a:p>
             <a:fld id="{B87017AA-1625-2948-9FD3-41F331F64A76}" type="datetimeFigureOut">
               <a:rPr lang="en-US" smtClean="0"/>
-              <a:t>10/17/16</a:t>
+              <a:t>10/26/16</a:t>
             </a:fld>
             <a:endParaRPr lang="en-US"/>
           </a:p>
@@ -935,7 +935,7 @@
           <a:p>
             <a:fld id="{638905D9-65A8-9846-80BE-B5D434D0BBA7}" type="datetimeFigureOut">
               <a:rPr lang="en-US" smtClean="0"/>
-              <a:t>10/17/16</a:t>
+              <a:t>10/26/16</a:t>
             </a:fld>
             <a:endParaRPr lang="en-US"/>
           </a:p>
@@ -1105,7 +1105,7 @@
           <a:p>
             <a:fld id="{638905D9-65A8-9846-80BE-B5D434D0BBA7}" type="datetimeFigureOut">
               <a:rPr lang="en-US" smtClean="0"/>
-              <a:t>10/17/16</a:t>
+              <a:t>10/26/16</a:t>
             </a:fld>
             <a:endParaRPr lang="en-US"/>
           </a:p>
@@ -1285,7 +1285,7 @@
           <a:p>
             <a:fld id="{638905D9-65A8-9846-80BE-B5D434D0BBA7}" type="datetimeFigureOut">
               <a:rPr lang="en-US" smtClean="0"/>
-              <a:t>10/17/16</a:t>
+              <a:t>10/26/16</a:t>
             </a:fld>
             <a:endParaRPr lang="en-US"/>
           </a:p>
@@ -1455,7 +1455,7 @@
           <a:p>
             <a:fld id="{638905D9-65A8-9846-80BE-B5D434D0BBA7}" type="datetimeFigureOut">
               <a:rPr lang="en-US" smtClean="0"/>
-              <a:t>10/17/16</a:t>
+              <a:t>10/26/16</a:t>
             </a:fld>
             <a:endParaRPr lang="en-US"/>
           </a:p>
@@ -1701,7 +1701,7 @@
           <a:p>
             <a:fld id="{638905D9-65A8-9846-80BE-B5D434D0BBA7}" type="datetimeFigureOut">
               <a:rPr lang="en-US" smtClean="0"/>
-              <a:t>10/17/16</a:t>
+              <a:t>10/26/16</a:t>
             </a:fld>
             <a:endParaRPr lang="en-US"/>
           </a:p>
@@ -1989,7 +1989,7 @@
           <a:p>
             <a:fld id="{638905D9-65A8-9846-80BE-B5D434D0BBA7}" type="datetimeFigureOut">
               <a:rPr lang="en-US" smtClean="0"/>
-              <a:t>10/17/16</a:t>
+              <a:t>10/26/16</a:t>
             </a:fld>
             <a:endParaRPr lang="en-US"/>
           </a:p>
@@ -2411,7 +2411,7 @@
           <a:p>
             <a:fld id="{638905D9-65A8-9846-80BE-B5D434D0BBA7}" type="datetimeFigureOut">
               <a:rPr lang="en-US" smtClean="0"/>
-              <a:t>10/17/16</a:t>
+              <a:t>10/26/16</a:t>
             </a:fld>
             <a:endParaRPr lang="en-US"/>
           </a:p>
@@ -2529,7 +2529,7 @@
           <a:p>
             <a:fld id="{638905D9-65A8-9846-80BE-B5D434D0BBA7}" type="datetimeFigureOut">
               <a:rPr lang="en-US" smtClean="0"/>
-              <a:t>10/17/16</a:t>
+              <a:t>10/26/16</a:t>
             </a:fld>
             <a:endParaRPr lang="en-US"/>
           </a:p>
@@ -2624,7 +2624,7 @@
           <a:p>
             <a:fld id="{638905D9-65A8-9846-80BE-B5D434D0BBA7}" type="datetimeFigureOut">
               <a:rPr lang="en-US" smtClean="0"/>
-              <a:t>10/17/16</a:t>
+              <a:t>10/26/16</a:t>
             </a:fld>
             <a:endParaRPr lang="en-US"/>
           </a:p>
@@ -2901,7 +2901,7 @@
           <a:p>
             <a:fld id="{638905D9-65A8-9846-80BE-B5D434D0BBA7}" type="datetimeFigureOut">
               <a:rPr lang="en-US" smtClean="0"/>
-              <a:t>10/17/16</a:t>
+              <a:t>10/26/16</a:t>
             </a:fld>
             <a:endParaRPr lang="en-US"/>
           </a:p>
@@ -3154,7 +3154,7 @@
           <a:p>
             <a:fld id="{638905D9-65A8-9846-80BE-B5D434D0BBA7}" type="datetimeFigureOut">
               <a:rPr lang="en-US" smtClean="0"/>
-              <a:t>10/17/16</a:t>
+              <a:t>10/26/16</a:t>
             </a:fld>
             <a:endParaRPr lang="en-US"/>
           </a:p>
@@ -3367,7 +3367,7 @@
           <a:p>
             <a:fld id="{638905D9-65A8-9846-80BE-B5D434D0BBA7}" type="datetimeFigureOut">
               <a:rPr lang="en-US" smtClean="0"/>
-              <a:t>10/17/16</a:t>
+              <a:t>10/26/16</a:t>
             </a:fld>
             <a:endParaRPr lang="en-US"/>
           </a:p>
@@ -3934,11 +3934,7 @@
           <a:p>
             <a:r>
               <a:rPr lang="en-US" dirty="0" smtClean="0"/>
-              <a:t>Allow </a:t>
-            </a:r>
-            <a:r>
-              <a:rPr lang="en-US" dirty="0" smtClean="0"/>
-              <a:t>for chance encounters</a:t>
+              <a:t>Allow for chance encounters</a:t>
             </a:r>
             <a:endParaRPr lang="en-US" dirty="0"/>
           </a:p>
@@ -4483,8 +4479,60 @@
           <a:p>
             <a:r>
               <a:rPr lang="en-US" dirty="0" smtClean="0"/>
-              <a:t>exploring the sensors on phone</a:t>
-            </a:r>
+              <a:t>exploring the sensors on </a:t>
+            </a:r>
+            <a:r>
+              <a:rPr lang="en-US" dirty="0" smtClean="0"/>
+              <a:t>phone</a:t>
+            </a:r>
+          </a:p>
+          <a:p>
+            <a:r>
+              <a:rPr lang="en-US" dirty="0" smtClean="0"/>
+              <a:t>Hype –</a:t>
+            </a:r>
+            <a:r>
+              <a:rPr lang="en-US" dirty="0" err="1" smtClean="0"/>
+              <a:t>webdesign</a:t>
+            </a:r>
+            <a:r>
+              <a:rPr lang="en-US" dirty="0" smtClean="0"/>
+              <a:t> software with physics </a:t>
+            </a:r>
+            <a:r>
+              <a:rPr lang="en-US" dirty="0" err="1" smtClean="0"/>
+              <a:t>enginne</a:t>
+            </a:r>
+            <a:r>
+              <a:rPr lang="en-US" dirty="0" smtClean="0"/>
+              <a:t> - - check it out!</a:t>
+            </a:r>
+          </a:p>
+          <a:p>
+            <a:r>
+              <a:rPr lang="en-US" dirty="0" smtClean="0"/>
+              <a:t>Events </a:t>
+            </a:r>
+            <a:r>
+              <a:rPr lang="en-US" dirty="0" err="1" smtClean="0"/>
+              <a:t>trigggering</a:t>
+            </a:r>
+            <a:endParaRPr lang="en-US" dirty="0" smtClean="0"/>
+          </a:p>
+          <a:p>
+            <a:r>
+              <a:rPr lang="en-US" dirty="0"/>
+              <a:t>http://</a:t>
+            </a:r>
+            <a:r>
+              <a:rPr lang="en-US" dirty="0" err="1"/>
+              <a:t>tumult.com</a:t>
+            </a:r>
+            <a:r>
+              <a:rPr lang="en-US" dirty="0"/>
+              <a:t>/hype/</a:t>
+            </a:r>
+            <a:endParaRPr lang="en-US" dirty="0" smtClean="0"/>
           </a:p>
           <a:p>
             <a:pPr marL="0" indent="0">
@@ -4846,6 +4894,9 @@
             </a:r>
           </a:p>
           <a:p>
+            <a:pPr marL="0" indent="0">
+              <a:buNone/>
+            </a:pPr>
             <a:endParaRPr lang="en-US" dirty="0"/>
           </a:p>
           <a:p>
